--- a/Ansible_Module_Present-Sep2016.pptx
+++ b/Ansible_Module_Present-Sep2016.pptx
@@ -5,10 +5,10 @@
     <p:sldMasterId id="2147483676" r:id="rId1"/>
   </p:sldMasterIdLst>
   <p:notesMasterIdLst>
-    <p:notesMasterId r:id="rId12"/>
+    <p:notesMasterId r:id="rId13"/>
   </p:notesMasterIdLst>
   <p:handoutMasterIdLst>
-    <p:handoutMasterId r:id="rId13"/>
+    <p:handoutMasterId r:id="rId14"/>
   </p:handoutMasterIdLst>
   <p:sldIdLst>
     <p:sldId id="256" r:id="rId2"/>
@@ -20,7 +20,8 @@
     <p:sldId id="264" r:id="rId8"/>
     <p:sldId id="265" r:id="rId9"/>
     <p:sldId id="266" r:id="rId10"/>
-    <p:sldId id="260" r:id="rId11"/>
+    <p:sldId id="267" r:id="rId11"/>
+    <p:sldId id="260" r:id="rId12"/>
   </p:sldIdLst>
   <p:sldSz cx="9144000" cy="6858000" type="screen4x3"/>
   <p:notesSz cx="6858000" cy="9144000"/>
@@ -246,7 +247,7 @@
           <a:p>
             <a:fld id="{62CCA4DD-75C4-4BF6-8DD6-FFB82816BE7F}" type="datetime1">
               <a:rPr lang="en-CA" smtClean="0"/>
-              <a:t>28/09/2016</a:t>
+              <a:t>29/09/2016</a:t>
             </a:fld>
             <a:endParaRPr lang="en-CA"/>
           </a:p>
@@ -416,7 +417,7 @@
           <a:p>
             <a:fld id="{8C4B3FAC-C615-4867-90E0-5BFC29FEB4EA}" type="datetime1">
               <a:rPr lang="en-CA" smtClean="0"/>
-              <a:t>28/09/2016</a:t>
+              <a:t>29/09/2016</a:t>
             </a:fld>
             <a:endParaRPr lang="en-CA"/>
           </a:p>
@@ -800,7 +801,7 @@
           <a:p>
             <a:fld id="{E1EEC9AE-3197-4BFD-9977-EC527F84D5CA}" type="datetime1">
               <a:rPr lang="en-CA" smtClean="0"/>
-              <a:t>28/09/2016</a:t>
+              <a:t>29/09/2016</a:t>
             </a:fld>
             <a:endParaRPr lang="en-CA"/>
           </a:p>
@@ -930,7 +931,7 @@
           <a:p>
             <a:fld id="{053F55BF-9F9C-4245-B783-F2A64D54DEA4}" type="datetime1">
               <a:rPr lang="en-CA" smtClean="0"/>
-              <a:t>28/09/2016</a:t>
+              <a:t>29/09/2016</a:t>
             </a:fld>
             <a:endParaRPr lang="en-CA"/>
           </a:p>
@@ -1060,7 +1061,7 @@
           <a:p>
             <a:fld id="{DFF72FCE-4BC9-4036-9CE9-77ACC62E4EE2}" type="datetime1">
               <a:rPr lang="en-CA" smtClean="0"/>
-              <a:t>28/09/2016</a:t>
+              <a:t>29/09/2016</a:t>
             </a:fld>
             <a:endParaRPr lang="en-CA"/>
           </a:p>
@@ -5947,6 +5948,252 @@
           <a:chExt cx="0" cy="0"/>
         </a:xfrm>
       </p:grpSpPr>
+      <p:sp>
+        <p:nvSpPr>
+          <p:cNvPr id="4" name="Slide Number Placeholder 3"/>
+          <p:cNvSpPr>
+            <a:spLocks noGrp="1"/>
+          </p:cNvSpPr>
+          <p:nvPr>
+            <p:ph type="sldNum" sz="quarter" idx="4"/>
+          </p:nvPr>
+        </p:nvSpPr>
+        <p:spPr/>
+        <p:txBody>
+          <a:bodyPr/>
+          <a:lstStyle/>
+          <a:p>
+            <a:fld id="{4234BC3D-03CB-49F3-9034-2334407EF377}" type="slidenum">
+              <a:rPr lang="en-CA" smtClean="0"/>
+              <a:t>10</a:t>
+            </a:fld>
+            <a:endParaRPr lang="en-CA"/>
+          </a:p>
+        </p:txBody>
+      </p:sp>
+      <p:sp>
+        <p:nvSpPr>
+          <p:cNvPr id="6" name="TextBox 5"/>
+          <p:cNvSpPr txBox="1"/>
+          <p:nvPr/>
+        </p:nvSpPr>
+        <p:spPr>
+          <a:xfrm>
+            <a:off x="539552" y="332656"/>
+            <a:ext cx="8064896" cy="4585871"/>
+          </a:xfrm>
+          <a:prstGeom prst="rect">
+            <a:avLst/>
+          </a:prstGeom>
+          <a:noFill/>
+        </p:spPr>
+        <p:txBody>
+          <a:bodyPr wrap="square" rtlCol="0">
+            <a:spAutoFit/>
+          </a:bodyPr>
+          <a:lstStyle/>
+          <a:p>
+            <a:r>
+              <a:rPr lang="en-CA" sz="2800" dirty="0" smtClean="0"/>
+              <a:t>References:</a:t>
+            </a:r>
+          </a:p>
+          <a:p>
+            <a:pPr>
+              <a:lnSpc>
+                <a:spcPct val="150000"/>
+              </a:lnSpc>
+            </a:pPr>
+            <a:endParaRPr lang="en-CA" sz="2200" dirty="0"/>
+          </a:p>
+          <a:p>
+            <a:pPr marL="285750" indent="-285750">
+              <a:lnSpc>
+                <a:spcPct val="150000"/>
+              </a:lnSpc>
+              <a:buFontTx/>
+              <a:buChar char="-"/>
+            </a:pPr>
+            <a:r>
+              <a:rPr lang="en-CA" sz="2200" dirty="0" smtClean="0"/>
+              <a:t>The Ansible Documentation (</a:t>
+            </a:r>
+            <a:r>
+              <a:rPr lang="en-CA" sz="2200" dirty="0" smtClean="0">
+                <a:hlinkClick r:id="rId2"/>
+              </a:rPr>
+              <a:t>http://docs.ansible.com</a:t>
+            </a:r>
+            <a:r>
+              <a:rPr lang="en-CA" sz="2200" dirty="0" smtClean="0"/>
+              <a:t>)</a:t>
+            </a:r>
+          </a:p>
+          <a:p>
+            <a:pPr marL="285750" indent="-285750">
+              <a:lnSpc>
+                <a:spcPct val="150000"/>
+              </a:lnSpc>
+              <a:buFontTx/>
+              <a:buChar char="-"/>
+            </a:pPr>
+            <a:r>
+              <a:rPr lang="en-CA" sz="2200" dirty="0" smtClean="0"/>
+              <a:t>Presentation on Ansible Modules by James </a:t>
+            </a:r>
+            <a:r>
+              <a:rPr lang="en-CA" sz="2200" dirty="0" err="1" smtClean="0"/>
+              <a:t>Cammarata</a:t>
+            </a:r>
+            <a:r>
+              <a:rPr lang="en-CA" sz="2200" dirty="0"/>
+              <a:t> (</a:t>
+            </a:r>
+            <a:r>
+              <a:rPr lang="en-CA" sz="2200" dirty="0">
+                <a:hlinkClick r:id="rId3"/>
+              </a:rPr>
+              <a:t>http://</a:t>
+            </a:r>
+            <a:r>
+              <a:rPr lang="en-CA" sz="2200" dirty="0" smtClean="0">
+                <a:hlinkClick r:id="rId3"/>
+              </a:rPr>
+              <a:t>bit.ly/2dvoNIg</a:t>
+            </a:r>
+            <a:r>
+              <a:rPr lang="en-CA" sz="2200" dirty="0" smtClean="0"/>
+              <a:t>)</a:t>
+            </a:r>
+          </a:p>
+          <a:p>
+            <a:pPr marL="285750" indent="-285750">
+              <a:lnSpc>
+                <a:spcPct val="150000"/>
+              </a:lnSpc>
+              <a:buFontTx/>
+              <a:buChar char="-"/>
+            </a:pPr>
+            <a:r>
+              <a:rPr lang="en-CA" sz="2200" dirty="0" smtClean="0"/>
+              <a:t>Ansible Custom Modules by Jonathan </a:t>
+            </a:r>
+            <a:r>
+              <a:rPr lang="en-CA" sz="2200" dirty="0"/>
+              <a:t>Davila (</a:t>
+            </a:r>
+            <a:r>
+              <a:rPr lang="en-CA" sz="2200" dirty="0">
+                <a:hlinkClick r:id="rId4"/>
+              </a:rPr>
+              <a:t>https://</a:t>
+            </a:r>
+            <a:r>
+              <a:rPr lang="en-CA" sz="2200" dirty="0" smtClean="0">
+                <a:hlinkClick r:id="rId4"/>
+              </a:rPr>
+              <a:t>youtu.be/dep2IbAuf6Y</a:t>
+            </a:r>
+            <a:r>
+              <a:rPr lang="en-CA" sz="2200" dirty="0" smtClean="0"/>
+              <a:t>)</a:t>
+            </a:r>
+          </a:p>
+          <a:p>
+            <a:pPr marL="285750" indent="-285750">
+              <a:lnSpc>
+                <a:spcPct val="150000"/>
+              </a:lnSpc>
+              <a:buFontTx/>
+              <a:buChar char="-"/>
+            </a:pPr>
+            <a:r>
+              <a:rPr lang="en-CA" sz="2200" dirty="0" err="1"/>
+              <a:t>Rishabh</a:t>
+            </a:r>
+            <a:r>
+              <a:rPr lang="en-CA" sz="2200" dirty="0"/>
+              <a:t> Das (2016</a:t>
+            </a:r>
+            <a:r>
+              <a:rPr lang="en-CA" sz="2200" dirty="0" smtClean="0"/>
+              <a:t>). </a:t>
+            </a:r>
+            <a:r>
+              <a:rPr lang="en-CA" sz="2200" dirty="0"/>
+              <a:t>Extending Ansible. </a:t>
+            </a:r>
+            <a:r>
+              <a:rPr lang="en-CA" sz="2200" dirty="0" err="1"/>
+              <a:t>Packt</a:t>
+            </a:r>
+            <a:r>
+              <a:rPr lang="en-CA" sz="2200" dirty="0"/>
+              <a:t> </a:t>
+            </a:r>
+            <a:r>
+              <a:rPr lang="en-CA" sz="2200" dirty="0" smtClean="0"/>
+              <a:t>Publishing</a:t>
+            </a:r>
+          </a:p>
+          <a:p>
+            <a:pPr marL="285750" indent="-285750">
+              <a:lnSpc>
+                <a:spcPct val="150000"/>
+              </a:lnSpc>
+              <a:buFontTx/>
+              <a:buChar char="-"/>
+            </a:pPr>
+            <a:r>
+              <a:rPr lang="en-CA" sz="2200" dirty="0"/>
+              <a:t>Jesse </a:t>
+            </a:r>
+            <a:r>
+              <a:rPr lang="en-CA" sz="2200" dirty="0" smtClean="0"/>
+              <a:t>Keating (2015). Mastering Ansible. </a:t>
+            </a:r>
+            <a:r>
+              <a:rPr lang="en-CA" sz="2200" dirty="0" err="1" smtClean="0"/>
+              <a:t>Packt</a:t>
+            </a:r>
+            <a:r>
+              <a:rPr lang="en-CA" sz="2200" dirty="0" smtClean="0"/>
+              <a:t> Publishing</a:t>
+            </a:r>
+            <a:endParaRPr lang="en-CA" sz="2200" dirty="0"/>
+          </a:p>
+        </p:txBody>
+      </p:sp>
+    </p:spTree>
+    <p:extLst>
+      <p:ext uri="{BB962C8B-B14F-4D97-AF65-F5344CB8AC3E}">
+        <p14:creationId xmlns:p14="http://schemas.microsoft.com/office/powerpoint/2010/main" val="181099728"/>
+      </p:ext>
+    </p:extLst>
+  </p:cSld>
+  <p:clrMapOvr>
+    <a:masterClrMapping/>
+  </p:clrMapOvr>
+</p:sld>
+</file>
+
+<file path=ppt/slides/slide11.xml><?xml version="1.0" encoding="utf-8"?>
+<p:sld xmlns:a="http://schemas.openxmlformats.org/drawingml/2006/main" xmlns:r="http://schemas.openxmlformats.org/officeDocument/2006/relationships" xmlns:p="http://schemas.openxmlformats.org/presentationml/2006/main">
+  <p:cSld>
+    <p:spTree>
+      <p:nvGrpSpPr>
+        <p:cNvPr id="1" name=""/>
+        <p:cNvGrpSpPr/>
+        <p:nvPr/>
+      </p:nvGrpSpPr>
+      <p:grpSpPr>
+        <a:xfrm>
+          <a:off x="0" y="0"/>
+          <a:ext cx="0" cy="0"/>
+          <a:chOff x="0" y="0"/>
+          <a:chExt cx="0" cy="0"/>
+        </a:xfrm>
+      </p:grpSpPr>
     </p:spTree>
     <p:extLst>
       <p:ext uri="{BB962C8B-B14F-4D97-AF65-F5344CB8AC3E}">
@@ -6430,16 +6677,7 @@
                 </a:solidFill>
                 <a:latin typeface="+mn-lt"/>
               </a:rPr>
-              <a:t> </a:t>
-            </a:r>
-            <a:r>
-              <a:rPr lang="en-CA" sz="1800" b="0" dirty="0" smtClean="0">
-                <a:solidFill>
-                  <a:schemeClr val="tx1"/>
-                </a:solidFill>
-                <a:latin typeface="+mn-lt"/>
-              </a:rPr>
-              <a:t>Extendable </a:t>
+              <a:t> Extendable </a:t>
             </a:r>
             <a:r>
               <a:rPr lang="en-CA" sz="1800" b="0" dirty="0" smtClean="0">
@@ -6458,16 +6696,7 @@
                 </a:solidFill>
                 <a:latin typeface="+mn-lt"/>
               </a:rPr>
-              <a:t>Custom </a:t>
-            </a:r>
-            <a:r>
-              <a:rPr lang="en-CA" sz="1800" b="0" dirty="0" smtClean="0">
-                <a:solidFill>
-                  <a:schemeClr val="tx1"/>
-                </a:solidFill>
-                <a:latin typeface="+mn-lt"/>
-              </a:rPr>
-              <a:t>modules</a:t>
+              <a:t>Custom modules</a:t>
             </a:r>
             <a:endParaRPr lang="en-CA" sz="1800" b="0" dirty="0">
               <a:solidFill>
